--- a/GameDesign/팀펄_경제밸런스기획.pptx
+++ b/GameDesign/팀펄_경제밸런스기획.pptx
@@ -267,7 +267,7 @@
       </p15:sldGuideLst>
     </p:ext>
     <p:ext uri="http://customooxmlschemas.google.com/">
-      <go:slidesCustomData xmlns="" xmlns:mc="http://schemas.openxmlformats.org/markup-compatibility/2006" xmlns:mv="urn:schemas-microsoft-com:mac:vml" xmlns:c="http://schemas.openxmlformats.org/drawingml/2006/chart" xmlns:dgm="http://schemas.openxmlformats.org/drawingml/2006/diagram" xmlns:o="urn:schemas-microsoft-com:office:office" xmlns:v="urn:schemas-microsoft-com:vml" xmlns:pvml="urn:schemas-microsoft-com:office:powerpoint" xmlns:com="http://schemas.openxmlformats.org/drawingml/2006/compatibility" xmlns:p14="http://schemas.microsoft.com/office/powerpoint/2010/main" xmlns:p15="http://schemas.microsoft.com/office/powerpoint/2012/main" xmlns:ahyp="http://schemas.microsoft.com/office/drawing/2018/hyperlinkcolor" xmlns:go="http://customooxmlschemas.google.com/" r:id="rId30" roundtripDataSignature="AMtx7miiSHJ3XJ4MW2M590OQDNRXdaDwBQ=="/>
+      <go:slidesCustomData xmlns:go="http://customooxmlschemas.google.com/" xmlns:ahyp="http://schemas.microsoft.com/office/drawing/2018/hyperlinkcolor" xmlns:p15="http://schemas.microsoft.com/office/powerpoint/2012/main" xmlns:p14="http://schemas.microsoft.com/office/powerpoint/2010/main" xmlns:com="http://schemas.openxmlformats.org/drawingml/2006/compatibility" xmlns:pvml="urn:schemas-microsoft-com:office:powerpoint" xmlns:v="urn:schemas-microsoft-com:vml" xmlns:o="urn:schemas-microsoft-com:office:office" xmlns:dgm="http://schemas.openxmlformats.org/drawingml/2006/diagram" xmlns:c="http://schemas.openxmlformats.org/drawingml/2006/chart" xmlns:mv="urn:schemas-microsoft-com:mac:vml" xmlns:mc="http://schemas.openxmlformats.org/markup-compatibility/2006" xmlns="" r:id="rId30" roundtripDataSignature="AMtx7miiSHJ3XJ4MW2M590OQDNRXdaDwBQ=="/>
     </p:ext>
   </p:extLst>
 </p:presentation>
@@ -9005,9 +9005,9 @@
         <p:grpSpPr>
           <a:xfrm>
             <a:off x="1643427" y="1926842"/>
-            <a:ext cx="3895602" cy="3004317"/>
+            <a:ext cx="7688307" cy="3004317"/>
             <a:chOff x="1643427" y="1039424"/>
-            <a:chExt cx="3895602" cy="3004317"/>
+            <a:chExt cx="7688307" cy="3004317"/>
           </a:xfrm>
         </p:grpSpPr>
         <p:grpSp>
@@ -9161,9 +9161,9 @@
           <p:grpSpPr>
             <a:xfrm>
               <a:off x="1643427" y="2156862"/>
-              <a:ext cx="3895602" cy="769441"/>
+              <a:ext cx="7688307" cy="769441"/>
               <a:chOff x="1643427" y="2096600"/>
-              <a:chExt cx="3895602" cy="769441"/>
+              <a:chExt cx="7688307" cy="769441"/>
             </a:xfrm>
           </p:grpSpPr>
           <p:sp>
@@ -9261,7 +9261,7 @@
             <p:spPr>
               <a:xfrm>
                 <a:off x="2914593" y="2614653"/>
-                <a:ext cx="2624436" cy="246221"/>
+                <a:ext cx="6417141" cy="246221"/>
               </a:xfrm>
               <a:prstGeom prst="rect">
                 <a:avLst/>
@@ -9276,7 +9276,7 @@
               <a:p>
                 <a:r>
                   <a:rPr lang="ko-KR" altLang="en-US" sz="1000" dirty="0"/>
-                  <a:t>소탕 진행 방식 </a:t>
+                  <a:t>총기 공격력 상세 </a:t>
                 </a:r>
                 <a:r>
                   <a:rPr lang="en-US" altLang="ko-KR" sz="1000" dirty="0"/>
@@ -9284,7 +9284,7 @@
                 </a:r>
                 <a:r>
                   <a:rPr lang="ko-KR" altLang="en-US" sz="1000" dirty="0"/>
-                  <a:t>획득 재화 </a:t>
+                  <a:t>챕터 적정 총기 등급 설정 </a:t>
                 </a:r>
                 <a:r>
                   <a:rPr lang="en-US" altLang="ko-KR" sz="1000" dirty="0"/>
@@ -9292,7 +9292,23 @@
                 </a:r>
                 <a:r>
                   <a:rPr lang="ko-KR" altLang="en-US" sz="1000" dirty="0"/>
-                  <a:t>최대 소탕 시간</a:t>
+                  <a:t>캐릭터 성장</a:t>
+                </a:r>
+                <a:r>
+                  <a:rPr lang="en-US" altLang="ko-KR" sz="1000" dirty="0"/>
+                  <a:t>, </a:t>
+                </a:r>
+                <a:r>
+                  <a:rPr lang="ko-KR" altLang="en-US" sz="1000" dirty="0"/>
+                  <a:t>총기 숙련도 설정 </a:t>
+                </a:r>
+                <a:r>
+                  <a:rPr lang="en-US" altLang="ko-KR" sz="1000" dirty="0"/>
+                  <a:t>/ </a:t>
+                </a:r>
+                <a:r>
+                  <a:rPr lang="ko-KR" altLang="en-US" sz="1000" dirty="0"/>
+                  <a:t>업그레이드당 재화 요구치 설정 </a:t>
                 </a:r>
               </a:p>
             </p:txBody>

--- a/GameDesign/팀펄_경제밸런스기획.pptx
+++ b/GameDesign/팀펄_경제밸런스기획.pptx
@@ -267,7 +267,7 @@
       </p15:sldGuideLst>
     </p:ext>
     <p:ext uri="http://customooxmlschemas.google.com/">
-      <go:slidesCustomData xmlns:go="http://customooxmlschemas.google.com/" xmlns:ahyp="http://schemas.microsoft.com/office/drawing/2018/hyperlinkcolor" xmlns:p15="http://schemas.microsoft.com/office/powerpoint/2012/main" xmlns:p14="http://schemas.microsoft.com/office/powerpoint/2010/main" xmlns:com="http://schemas.openxmlformats.org/drawingml/2006/compatibility" xmlns:pvml="urn:schemas-microsoft-com:office:powerpoint" xmlns:v="urn:schemas-microsoft-com:vml" xmlns:o="urn:schemas-microsoft-com:office:office" xmlns:dgm="http://schemas.openxmlformats.org/drawingml/2006/diagram" xmlns:c="http://schemas.openxmlformats.org/drawingml/2006/chart" xmlns:mv="urn:schemas-microsoft-com:mac:vml" xmlns:mc="http://schemas.openxmlformats.org/markup-compatibility/2006" xmlns="" r:id="rId30" roundtripDataSignature="AMtx7miiSHJ3XJ4MW2M590OQDNRXdaDwBQ=="/>
+      <go:slidesCustomData xmlns="" xmlns:mc="http://schemas.openxmlformats.org/markup-compatibility/2006" xmlns:mv="urn:schemas-microsoft-com:mac:vml" xmlns:c="http://schemas.openxmlformats.org/drawingml/2006/chart" xmlns:dgm="http://schemas.openxmlformats.org/drawingml/2006/diagram" xmlns:o="urn:schemas-microsoft-com:office:office" xmlns:v="urn:schemas-microsoft-com:vml" xmlns:pvml="urn:schemas-microsoft-com:office:powerpoint" xmlns:com="http://schemas.openxmlformats.org/drawingml/2006/compatibility" xmlns:p14="http://schemas.microsoft.com/office/powerpoint/2010/main" xmlns:p15="http://schemas.microsoft.com/office/powerpoint/2012/main" xmlns:ahyp="http://schemas.microsoft.com/office/drawing/2018/hyperlinkcolor" xmlns:go="http://customooxmlschemas.google.com/" r:id="rId30" roundtripDataSignature="AMtx7miiSHJ3XJ4MW2M590OQDNRXdaDwBQ=="/>
     </p:ext>
   </p:extLst>
 </p:presentation>
@@ -8932,6 +8932,41 @@
           </p:sp>
         </p:grpSp>
       </p:grpSp>
+      <p:sp>
+        <p:nvSpPr>
+          <p:cNvPr id="7" name="TextBox 6">
+            <a:extLst>
+              <a:ext uri="{FF2B5EF4-FFF2-40B4-BE49-F238E27FC236}">
+                <a16:creationId xmlns:a16="http://schemas.microsoft.com/office/drawing/2014/main" id="{BB2B4C29-17E1-D255-EF5B-4A83599AE4D8}"/>
+              </a:ext>
+            </a:extLst>
+          </p:cNvPr>
+          <p:cNvSpPr txBox="1"/>
+          <p:nvPr/>
+        </p:nvSpPr>
+        <p:spPr>
+          <a:xfrm>
+            <a:off x="5162089" y="2700292"/>
+            <a:ext cx="1867821" cy="400110"/>
+          </a:xfrm>
+          <a:prstGeom prst="rect">
+            <a:avLst/>
+          </a:prstGeom>
+          <a:noFill/>
+        </p:spPr>
+        <p:txBody>
+          <a:bodyPr wrap="square" rtlCol="0">
+            <a:spAutoFit/>
+          </a:bodyPr>
+          <a:lstStyle/>
+          <a:p>
+            <a:r>
+              <a:rPr lang="ko-KR" altLang="en-US" sz="2000" dirty="0"/>
+              <a:t>능력치</a:t>
+            </a:r>
+          </a:p>
+        </p:txBody>
+      </p:sp>
     </p:spTree>
     <p:extLst>
       <p:ext uri="{BB962C8B-B14F-4D97-AF65-F5344CB8AC3E}">

--- a/GameDesign/팀펄_경제밸런스기획.pptx
+++ b/GameDesign/팀펄_경제밸런스기획.pptx
@@ -267,7 +267,7 @@
       </p15:sldGuideLst>
     </p:ext>
     <p:ext uri="http://customooxmlschemas.google.com/">
-      <go:slidesCustomData xmlns="" xmlns:mc="http://schemas.openxmlformats.org/markup-compatibility/2006" xmlns:mv="urn:schemas-microsoft-com:mac:vml" xmlns:c="http://schemas.openxmlformats.org/drawingml/2006/chart" xmlns:dgm="http://schemas.openxmlformats.org/drawingml/2006/diagram" xmlns:o="urn:schemas-microsoft-com:office:office" xmlns:v="urn:schemas-microsoft-com:vml" xmlns:pvml="urn:schemas-microsoft-com:office:powerpoint" xmlns:com="http://schemas.openxmlformats.org/drawingml/2006/compatibility" xmlns:p14="http://schemas.microsoft.com/office/powerpoint/2010/main" xmlns:p15="http://schemas.microsoft.com/office/powerpoint/2012/main" xmlns:ahyp="http://schemas.microsoft.com/office/drawing/2018/hyperlinkcolor" xmlns:go="http://customooxmlschemas.google.com/" r:id="rId30" roundtripDataSignature="AMtx7miiSHJ3XJ4MW2M590OQDNRXdaDwBQ=="/>
+      <go:slidesCustomData xmlns:go="http://customooxmlschemas.google.com/" xmlns:ahyp="http://schemas.microsoft.com/office/drawing/2018/hyperlinkcolor" xmlns:p15="http://schemas.microsoft.com/office/powerpoint/2012/main" xmlns:p14="http://schemas.microsoft.com/office/powerpoint/2010/main" xmlns:com="http://schemas.openxmlformats.org/drawingml/2006/compatibility" xmlns:pvml="urn:schemas-microsoft-com:office:powerpoint" xmlns:v="urn:schemas-microsoft-com:vml" xmlns:o="urn:schemas-microsoft-com:office:office" xmlns:dgm="http://schemas.openxmlformats.org/drawingml/2006/diagram" xmlns:c="http://schemas.openxmlformats.org/drawingml/2006/chart" xmlns:mv="urn:schemas-microsoft-com:mac:vml" xmlns:mc="http://schemas.openxmlformats.org/markup-compatibility/2006" xmlns="" r:id="rId30" roundtripDataSignature="AMtx7miiSHJ3XJ4MW2M590OQDNRXdaDwBQ=="/>
     </p:ext>
   </p:extLst>
 </p:presentation>
@@ -12071,7 +12071,7 @@
           <p:nvPr>
             <p:extLst>
               <p:ext uri="{D42A27DB-BD31-4B8C-83A1-F6EECF244321}">
-                <p14:modId xmlns:p14="http://schemas.microsoft.com/office/powerpoint/2010/main" val="2116615026"/>
+                <p14:modId xmlns:p14="http://schemas.microsoft.com/office/powerpoint/2010/main" val="4123741156"/>
               </p:ext>
             </p:extLst>
           </p:nvPr>
@@ -13617,7 +13617,7 @@
                   </a:ext>
                 </a:extLst>
               </a:tr>
-              <a:tr h="304800">
+              <a:tr h="179319">
                 <a:tc>
                   <a:txBody>
                     <a:bodyPr/>
@@ -14950,13 +14950,13 @@
           <p:nvPr>
             <p:extLst>
               <p:ext uri="{D42A27DB-BD31-4B8C-83A1-F6EECF244321}">
-                <p14:modId xmlns:p14="http://schemas.microsoft.com/office/powerpoint/2010/main" val="1371564105"/>
+                <p14:modId xmlns:p14="http://schemas.microsoft.com/office/powerpoint/2010/main" val="983637743"/>
               </p:ext>
             </p:extLst>
           </p:nvPr>
         </p:nvGraphicFramePr>
         <p:xfrm>
-          <a:off x="478062" y="2341905"/>
+          <a:off x="369660" y="2346468"/>
           <a:ext cx="11452677" cy="3976798"/>
         </p:xfrm>
         <a:graphic>
@@ -15508,25 +15508,41 @@
                     <a:p>
                       <a:pPr algn="ctr" latinLnBrk="1"/>
                       <a:r>
-                        <a:rPr lang="en-US" altLang="ko-KR" sz="1200" dirty="0"/>
+                        <a:rPr lang="en-US" altLang="ko-KR" sz="1200" dirty="0">
+                          <a:highlight>
+                            <a:srgbClr val="FFFF00"/>
+                          </a:highlight>
+                        </a:rPr>
                         <a:t>100 (0)</a:t>
                       </a:r>
-                      <a:endParaRPr lang="ko-KR" altLang="en-US" sz="1200" dirty="0"/>
-                    </a:p>
-                  </a:txBody>
-                  <a:tcPr anchor="ctr"/>
-                </a:tc>
-                <a:tc>
-                  <a:txBody>
-                    <a:bodyPr/>
-                    <a:lstStyle/>
-                    <a:p>
-                      <a:pPr algn="ctr" latinLnBrk="1"/>
-                      <a:r>
-                        <a:rPr lang="en-US" altLang="ko-KR" sz="1200" dirty="0"/>
+                      <a:endParaRPr lang="ko-KR" altLang="en-US" sz="1200" dirty="0">
+                        <a:highlight>
+                          <a:srgbClr val="FFFF00"/>
+                        </a:highlight>
+                      </a:endParaRPr>
+                    </a:p>
+                  </a:txBody>
+                  <a:tcPr anchor="ctr"/>
+                </a:tc>
+                <a:tc>
+                  <a:txBody>
+                    <a:bodyPr/>
+                    <a:lstStyle/>
+                    <a:p>
+                      <a:pPr algn="ctr" latinLnBrk="1"/>
+                      <a:r>
+                        <a:rPr lang="en-US" altLang="ko-KR" sz="1200" dirty="0">
+                          <a:highlight>
+                            <a:srgbClr val="FFFF00"/>
+                          </a:highlight>
+                        </a:rPr>
                         <a:t>0% (0)</a:t>
                       </a:r>
-                      <a:endParaRPr lang="ko-KR" altLang="en-US" sz="1200" dirty="0"/>
+                      <a:endParaRPr lang="ko-KR" altLang="en-US" sz="1200" dirty="0">
+                        <a:highlight>
+                          <a:srgbClr val="FFFF00"/>
+                        </a:highlight>
+                      </a:endParaRPr>
                     </a:p>
                   </a:txBody>
                   <a:tcPr anchor="ctr"/>
@@ -15648,22 +15664,34 @@
                     <a:p>
                       <a:pPr algn="ctr" latinLnBrk="1"/>
                       <a:r>
-                        <a:rPr lang="en-US" altLang="ko-KR" sz="1200" dirty="0"/>
+                        <a:rPr lang="en-US" altLang="ko-KR" sz="1200" dirty="0">
+                          <a:highlight>
+                            <a:srgbClr val="FFFF00"/>
+                          </a:highlight>
+                        </a:rPr>
                         <a:t>150 (5)</a:t>
                       </a:r>
-                      <a:endParaRPr lang="ko-KR" altLang="en-US" sz="1200" dirty="0"/>
-                    </a:p>
-                  </a:txBody>
-                  <a:tcPr anchor="ctr"/>
-                </a:tc>
-                <a:tc>
-                  <a:txBody>
-                    <a:bodyPr/>
-                    <a:lstStyle/>
-                    <a:p>
-                      <a:pPr algn="ctr" latinLnBrk="1"/>
-                      <a:r>
-                        <a:rPr lang="en-US" altLang="ko-KR" sz="1200" dirty="0"/>
+                      <a:endParaRPr lang="ko-KR" altLang="en-US" sz="1200" dirty="0">
+                        <a:highlight>
+                          <a:srgbClr val="FFFF00"/>
+                        </a:highlight>
+                      </a:endParaRPr>
+                    </a:p>
+                  </a:txBody>
+                  <a:tcPr anchor="ctr"/>
+                </a:tc>
+                <a:tc>
+                  <a:txBody>
+                    <a:bodyPr/>
+                    <a:lstStyle/>
+                    <a:p>
+                      <a:pPr algn="ctr" latinLnBrk="1"/>
+                      <a:r>
+                        <a:rPr lang="en-US" altLang="ko-KR" sz="1200" dirty="0">
+                          <a:highlight>
+                            <a:srgbClr val="FFFF00"/>
+                          </a:highlight>
+                        </a:rPr>
                         <a:t>2.5% (5)</a:t>
                       </a:r>
                     </a:p>
@@ -15787,25 +15815,41 @@
                     <a:p>
                       <a:pPr algn="ctr" latinLnBrk="1"/>
                       <a:r>
-                        <a:rPr lang="en-US" altLang="ko-KR" sz="1200" dirty="0"/>
+                        <a:rPr lang="en-US" altLang="ko-KR" sz="1200" dirty="0">
+                          <a:highlight>
+                            <a:srgbClr val="FFFF00"/>
+                          </a:highlight>
+                        </a:rPr>
                         <a:t>200 (10)</a:t>
                       </a:r>
-                      <a:endParaRPr lang="ko-KR" altLang="en-US" sz="1200" dirty="0"/>
-                    </a:p>
-                  </a:txBody>
-                  <a:tcPr anchor="ctr"/>
-                </a:tc>
-                <a:tc>
-                  <a:txBody>
-                    <a:bodyPr/>
-                    <a:lstStyle/>
-                    <a:p>
-                      <a:pPr algn="ctr" latinLnBrk="1"/>
-                      <a:r>
-                        <a:rPr lang="en-US" altLang="ko-KR" sz="1200" dirty="0"/>
+                      <a:endParaRPr lang="ko-KR" altLang="en-US" sz="1200" dirty="0">
+                        <a:highlight>
+                          <a:srgbClr val="FFFF00"/>
+                        </a:highlight>
+                      </a:endParaRPr>
+                    </a:p>
+                  </a:txBody>
+                  <a:tcPr anchor="ctr"/>
+                </a:tc>
+                <a:tc>
+                  <a:txBody>
+                    <a:bodyPr/>
+                    <a:lstStyle/>
+                    <a:p>
+                      <a:pPr algn="ctr" latinLnBrk="1"/>
+                      <a:r>
+                        <a:rPr lang="en-US" altLang="ko-KR" sz="1200" dirty="0">
+                          <a:highlight>
+                            <a:srgbClr val="FFFF00"/>
+                          </a:highlight>
+                        </a:rPr>
                         <a:t>5% (10)</a:t>
                       </a:r>
-                      <a:endParaRPr lang="ko-KR" altLang="en-US" sz="1200" dirty="0"/>
+                      <a:endParaRPr lang="ko-KR" altLang="en-US" sz="1200" dirty="0">
+                        <a:highlight>
+                          <a:srgbClr val="FFFF00"/>
+                        </a:highlight>
+                      </a:endParaRPr>
                     </a:p>
                   </a:txBody>
                   <a:tcPr anchor="ctr"/>
@@ -15931,7 +15975,11 @@
                     <a:p>
                       <a:pPr algn="ctr" latinLnBrk="1"/>
                       <a:r>
-                        <a:rPr lang="en-US" altLang="ko-KR" sz="1200" dirty="0"/>
+                        <a:rPr lang="en-US" altLang="ko-KR" sz="1200" dirty="0">
+                          <a:highlight>
+                            <a:srgbClr val="FFFF00"/>
+                          </a:highlight>
+                        </a:rPr>
                         <a:t>250 (15)</a:t>
                       </a:r>
                     </a:p>
@@ -15945,10 +15993,18 @@
                     <a:p>
                       <a:pPr algn="ctr" latinLnBrk="1"/>
                       <a:r>
-                        <a:rPr lang="en-US" altLang="ko-KR" sz="1200" dirty="0"/>
+                        <a:rPr lang="en-US" altLang="ko-KR" sz="1200" dirty="0">
+                          <a:highlight>
+                            <a:srgbClr val="FFFF00"/>
+                          </a:highlight>
+                        </a:rPr>
                         <a:t>7.5% (15)</a:t>
                       </a:r>
-                      <a:endParaRPr lang="ko-KR" altLang="en-US" sz="1200" dirty="0"/>
+                      <a:endParaRPr lang="ko-KR" altLang="en-US" sz="1200" dirty="0">
+                        <a:highlight>
+                          <a:srgbClr val="FFFF00"/>
+                        </a:highlight>
+                      </a:endParaRPr>
                     </a:p>
                   </a:txBody>
                   <a:tcPr anchor="ctr"/>
@@ -16072,7 +16128,11 @@
                     <a:p>
                       <a:pPr algn="ctr" latinLnBrk="1"/>
                       <a:r>
-                        <a:rPr lang="en-US" altLang="ko-KR" sz="1200" dirty="0"/>
+                        <a:rPr lang="en-US" altLang="ko-KR" sz="1200" dirty="0">
+                          <a:highlight>
+                            <a:srgbClr val="FFFF00"/>
+                          </a:highlight>
+                        </a:rPr>
                         <a:t>400 (20)</a:t>
                       </a:r>
                     </a:p>
@@ -16086,7 +16146,11 @@
                     <a:p>
                       <a:pPr algn="ctr" latinLnBrk="1"/>
                       <a:r>
-                        <a:rPr lang="en-US" altLang="ko-KR" sz="1200" dirty="0"/>
+                        <a:rPr lang="en-US" altLang="ko-KR" sz="1200" dirty="0">
+                          <a:highlight>
+                            <a:srgbClr val="FFFF00"/>
+                          </a:highlight>
+                        </a:rPr>
                         <a:t>15% (20)</a:t>
                       </a:r>
                     </a:p>
@@ -16216,7 +16280,11 @@
                     <a:p>
                       <a:pPr algn="ctr" latinLnBrk="1"/>
                       <a:r>
-                        <a:rPr lang="en-US" altLang="ko-KR" sz="1200" dirty="0"/>
+                        <a:rPr lang="en-US" altLang="ko-KR" sz="1200" dirty="0">
+                          <a:highlight>
+                            <a:srgbClr val="FFFF00"/>
+                          </a:highlight>
+                        </a:rPr>
                         <a:t>600 (25)</a:t>
                       </a:r>
                     </a:p>
@@ -16230,10 +16298,18 @@
                     <a:p>
                       <a:pPr algn="ctr" latinLnBrk="1"/>
                       <a:r>
-                        <a:rPr lang="en-US" altLang="ko-KR" sz="1200" dirty="0"/>
+                        <a:rPr lang="en-US" altLang="ko-KR" sz="1200" dirty="0">
+                          <a:highlight>
+                            <a:srgbClr val="FFFF00"/>
+                          </a:highlight>
+                        </a:rPr>
                         <a:t>25% (25)</a:t>
                       </a:r>
-                      <a:endParaRPr lang="ko-KR" altLang="en-US" sz="1200" dirty="0"/>
+                      <a:endParaRPr lang="ko-KR" altLang="en-US" sz="1200" dirty="0">
+                        <a:highlight>
+                          <a:srgbClr val="FFFF00"/>
+                        </a:highlight>
+                      </a:endParaRPr>
                     </a:p>
                   </a:txBody>
                   <a:tcPr anchor="ctr"/>
@@ -16361,7 +16437,11 @@
                     <a:p>
                       <a:pPr algn="ctr" latinLnBrk="1"/>
                       <a:r>
-                        <a:rPr lang="en-US" altLang="ko-KR" sz="1200" dirty="0"/>
+                        <a:rPr lang="en-US" altLang="ko-KR" sz="1200" dirty="0">
+                          <a:highlight>
+                            <a:srgbClr val="FFFF00"/>
+                          </a:highlight>
+                        </a:rPr>
                         <a:t>900 (30)</a:t>
                       </a:r>
                     </a:p>
@@ -16375,10 +16455,18 @@
                     <a:p>
                       <a:pPr algn="ctr" latinLnBrk="1"/>
                       <a:r>
-                        <a:rPr lang="en-US" altLang="ko-KR" sz="1200" dirty="0"/>
+                        <a:rPr lang="en-US" altLang="ko-KR" sz="1200" dirty="0">
+                          <a:highlight>
+                            <a:srgbClr val="FFFF00"/>
+                          </a:highlight>
+                        </a:rPr>
                         <a:t>40% (30)</a:t>
                       </a:r>
-                      <a:endParaRPr lang="ko-KR" altLang="en-US" sz="1200" dirty="0"/>
+                      <a:endParaRPr lang="ko-KR" altLang="en-US" sz="1200" dirty="0">
+                        <a:highlight>
+                          <a:srgbClr val="FFFF00"/>
+                        </a:highlight>
+                      </a:endParaRPr>
                     </a:p>
                   </a:txBody>
                   <a:tcPr anchor="ctr"/>
@@ -16504,25 +16592,41 @@
                     <a:p>
                       <a:pPr algn="ctr" latinLnBrk="1"/>
                       <a:r>
-                        <a:rPr lang="en-US" altLang="ko-KR" sz="1200" dirty="0"/>
+                        <a:rPr lang="en-US" altLang="ko-KR" sz="1200" dirty="0">
+                          <a:highlight>
+                            <a:srgbClr val="FFFF00"/>
+                          </a:highlight>
+                        </a:rPr>
                         <a:t>1300 (35)</a:t>
                       </a:r>
-                      <a:endParaRPr lang="ko-KR" altLang="en-US" sz="1200" dirty="0"/>
-                    </a:p>
-                  </a:txBody>
-                  <a:tcPr anchor="ctr"/>
-                </a:tc>
-                <a:tc>
-                  <a:txBody>
-                    <a:bodyPr/>
-                    <a:lstStyle/>
-                    <a:p>
-                      <a:pPr algn="ctr" latinLnBrk="1"/>
-                      <a:r>
-                        <a:rPr lang="en-US" altLang="ko-KR" sz="1200" dirty="0"/>
+                      <a:endParaRPr lang="ko-KR" altLang="en-US" sz="1200" dirty="0">
+                        <a:highlight>
+                          <a:srgbClr val="FFFF00"/>
+                        </a:highlight>
+                      </a:endParaRPr>
+                    </a:p>
+                  </a:txBody>
+                  <a:tcPr anchor="ctr"/>
+                </a:tc>
+                <a:tc>
+                  <a:txBody>
+                    <a:bodyPr/>
+                    <a:lstStyle/>
+                    <a:p>
+                      <a:pPr algn="ctr" latinLnBrk="1"/>
+                      <a:r>
+                        <a:rPr lang="en-US" altLang="ko-KR" sz="1200" dirty="0">
+                          <a:highlight>
+                            <a:srgbClr val="FFFF00"/>
+                          </a:highlight>
+                        </a:rPr>
                         <a:t>60% (35)</a:t>
                       </a:r>
-                      <a:endParaRPr lang="ko-KR" altLang="en-US" sz="1200" dirty="0"/>
+                      <a:endParaRPr lang="ko-KR" altLang="en-US" sz="1200" dirty="0">
+                        <a:highlight>
+                          <a:srgbClr val="FFFF00"/>
+                        </a:highlight>
+                      </a:endParaRPr>
                     </a:p>
                   </a:txBody>
                   <a:tcPr anchor="ctr"/>
@@ -16654,22 +16758,34 @@
                     <a:p>
                       <a:pPr algn="ctr" latinLnBrk="1"/>
                       <a:r>
-                        <a:rPr lang="en-US" altLang="ko-KR" sz="1200" dirty="0"/>
+                        <a:rPr lang="en-US" altLang="ko-KR" sz="1200" dirty="0">
+                          <a:highlight>
+                            <a:srgbClr val="FFFF00"/>
+                          </a:highlight>
+                        </a:rPr>
                         <a:t>1700 (40)</a:t>
                       </a:r>
-                      <a:endParaRPr lang="ko-KR" altLang="en-US" sz="1200" dirty="0"/>
-                    </a:p>
-                  </a:txBody>
-                  <a:tcPr anchor="ctr"/>
-                </a:tc>
-                <a:tc>
-                  <a:txBody>
-                    <a:bodyPr/>
-                    <a:lstStyle/>
-                    <a:p>
-                      <a:pPr algn="ctr" latinLnBrk="1"/>
-                      <a:r>
-                        <a:rPr lang="en-US" altLang="ko-KR" sz="1200" dirty="0"/>
+                      <a:endParaRPr lang="ko-KR" altLang="en-US" sz="1200" dirty="0">
+                        <a:highlight>
+                          <a:srgbClr val="FFFF00"/>
+                        </a:highlight>
+                      </a:endParaRPr>
+                    </a:p>
+                  </a:txBody>
+                  <a:tcPr anchor="ctr"/>
+                </a:tc>
+                <a:tc>
+                  <a:txBody>
+                    <a:bodyPr/>
+                    <a:lstStyle/>
+                    <a:p>
+                      <a:pPr algn="ctr" latinLnBrk="1"/>
+                      <a:r>
+                        <a:rPr lang="en-US" altLang="ko-KR" sz="1200" dirty="0">
+                          <a:highlight>
+                            <a:srgbClr val="FFFF00"/>
+                          </a:highlight>
+                        </a:rPr>
                         <a:t>80% (40)</a:t>
                       </a:r>
                     </a:p>
